--- a/content/bju/cps105/lectures/ppt-downloads/lec4.pptx
+++ b/content/bju/cps105/lectures/ppt-downloads/lec4.pptx
@@ -5,7 +5,7 @@
     <p:sldMasterId id="2147483648" r:id="rId1"/>
   </p:sldMasterIdLst>
   <p:notesMasterIdLst>
-    <p:notesMasterId r:id="rId12"/>
+    <p:notesMasterId r:id="rId8"/>
   </p:notesMasterIdLst>
   <p:sldIdLst>
     <p:sldId id="256" r:id="rId2"/>
@@ -13,11 +13,7 @@
     <p:sldId id="258" r:id="rId4"/>
     <p:sldId id="264" r:id="rId5"/>
     <p:sldId id="265" r:id="rId6"/>
-    <p:sldId id="259" r:id="rId7"/>
-    <p:sldId id="260" r:id="rId8"/>
-    <p:sldId id="261" r:id="rId9"/>
-    <p:sldId id="262" r:id="rId10"/>
-    <p:sldId id="263" r:id="rId11"/>
+    <p:sldId id="263" r:id="rId7"/>
   </p:sldIdLst>
   <p:sldSz cx="12192000" cy="6858000"/>
   <p:notesSz cx="6858000" cy="9144000"/>
@@ -116,7 +112,62 @@
       </a:defRPr>
     </a:lvl9pPr>
   </p:defaultTextStyle>
+  <p:extLst>
+    <p:ext uri="{EFAFB233-063F-42B5-8137-9DF3F51BA10A}">
+      <p15:sldGuideLst xmlns:p15="http://schemas.microsoft.com/office/powerpoint/2012/main"/>
+    </p:ext>
+  </p:extLst>
 </p:presentation>
+</file>
+
+<file path=ppt/revisionInfo.xml><?xml version="1.0" encoding="utf-8"?>
+<p1510:revInfo xmlns:a="http://schemas.openxmlformats.org/drawingml/2006/main" xmlns:r="http://schemas.openxmlformats.org/officeDocument/2006/relationships" xmlns:p1510="http://schemas.microsoft.com/office/powerpoint/2015/10/main">
+  <p1510:revLst>
+    <p1510:client id="{D41084B6-3AEF-C246-A72D-04EBA0144516}" v="4" dt="2018-09-10T03:59:32.600"/>
+  </p1510:revLst>
+</p1510:revInfo>
+</file>
+
+<file path=ppt/changesInfos/changesInfo1.xml><?xml version="1.0" encoding="utf-8"?>
+<pc:chgInfo xmlns:a="http://schemas.openxmlformats.org/drawingml/2006/main" xmlns:r="http://schemas.openxmlformats.org/officeDocument/2006/relationships" xmlns:ac="http://schemas.microsoft.com/office/drawing/2013/main/command" xmlns:pc="http://schemas.microsoft.com/office/powerpoint/2013/main/command">
+  <pc:docChgLst>
+    <pc:chgData name="Ethan McGee" userId="8590840d-12f7-4580-a1e3-84c3dc022b61" providerId="ADAL" clId="{D41084B6-3AEF-C246-A72D-04EBA0144516}"/>
+    <pc:docChg chg="delSld">
+      <pc:chgData name="Ethan McGee" userId="8590840d-12f7-4580-a1e3-84c3dc022b61" providerId="ADAL" clId="{D41084B6-3AEF-C246-A72D-04EBA0144516}" dt="2018-09-10T03:59:32.600" v="3" actId="2696"/>
+      <pc:docMkLst>
+        <pc:docMk/>
+      </pc:docMkLst>
+      <pc:sldChg chg="del">
+        <pc:chgData name="Ethan McGee" userId="8590840d-12f7-4580-a1e3-84c3dc022b61" providerId="ADAL" clId="{D41084B6-3AEF-C246-A72D-04EBA0144516}" dt="2018-09-10T03:59:32.600" v="3" actId="2696"/>
+        <pc:sldMkLst>
+          <pc:docMk/>
+          <pc:sldMk cId="3764866272" sldId="259"/>
+        </pc:sldMkLst>
+      </pc:sldChg>
+      <pc:sldChg chg="del">
+        <pc:chgData name="Ethan McGee" userId="8590840d-12f7-4580-a1e3-84c3dc022b61" providerId="ADAL" clId="{D41084B6-3AEF-C246-A72D-04EBA0144516}" dt="2018-09-10T03:59:32.599" v="2" actId="2696"/>
+        <pc:sldMkLst>
+          <pc:docMk/>
+          <pc:sldMk cId="2782289846" sldId="260"/>
+        </pc:sldMkLst>
+      </pc:sldChg>
+      <pc:sldChg chg="del">
+        <pc:chgData name="Ethan McGee" userId="8590840d-12f7-4580-a1e3-84c3dc022b61" providerId="ADAL" clId="{D41084B6-3AEF-C246-A72D-04EBA0144516}" dt="2018-09-10T03:59:32.599" v="1" actId="2696"/>
+        <pc:sldMkLst>
+          <pc:docMk/>
+          <pc:sldMk cId="3034343818" sldId="261"/>
+        </pc:sldMkLst>
+      </pc:sldChg>
+      <pc:sldChg chg="del">
+        <pc:chgData name="Ethan McGee" userId="8590840d-12f7-4580-a1e3-84c3dc022b61" providerId="ADAL" clId="{D41084B6-3AEF-C246-A72D-04EBA0144516}" dt="2018-09-10T03:59:32.598" v="0" actId="2696"/>
+        <pc:sldMkLst>
+          <pc:docMk/>
+          <pc:sldMk cId="171388323" sldId="262"/>
+        </pc:sldMkLst>
+      </pc:sldChg>
+    </pc:docChg>
+  </pc:docChgLst>
+</pc:chgInfo>
 </file>
 
 <file path=ppt/notesMasters/notesMaster1.xml><?xml version="1.0" encoding="utf-8"?>
@@ -201,7 +252,7 @@
           <a:p>
             <a:fld id="{F6350C18-AF63-4D9F-B89C-50E026C71CAC}" type="datetimeFigureOut">
               <a:rPr lang="en-US" smtClean="0"/>
-              <a:t>9/5/2018</a:t>
+              <a:t>9/9/18</a:t>
             </a:fld>
             <a:endParaRPr lang="en-US"/>
           </a:p>
@@ -265,38 +316,37 @@
           <a:p>
             <a:pPr lvl="0"/>
             <a:r>
-              <a:rPr lang="en-US" smtClean="0"/>
+              <a:rPr lang="en-US"/>
               <a:t>Edit Master text styles</a:t>
             </a:r>
           </a:p>
           <a:p>
             <a:pPr lvl="1"/>
             <a:r>
-              <a:rPr lang="en-US" smtClean="0"/>
+              <a:rPr lang="en-US"/>
               <a:t>Second level</a:t>
             </a:r>
           </a:p>
           <a:p>
             <a:pPr lvl="2"/>
             <a:r>
-              <a:rPr lang="en-US" smtClean="0"/>
+              <a:rPr lang="en-US"/>
               <a:t>Third level</a:t>
             </a:r>
           </a:p>
           <a:p>
             <a:pPr lvl="3"/>
             <a:r>
-              <a:rPr lang="en-US" smtClean="0"/>
+              <a:rPr lang="en-US"/>
               <a:t>Fourth level</a:t>
             </a:r>
           </a:p>
           <a:p>
             <a:pPr lvl="4"/>
             <a:r>
-              <a:rPr lang="en-US" smtClean="0"/>
+              <a:rPr lang="en-US"/>
               <a:t>Fifth level</a:t>
             </a:r>
-            <a:endParaRPr lang="en-US"/>
           </a:p>
         </p:txBody>
       </p:sp>
@@ -514,11 +564,11 @@
           <a:lstStyle/>
           <a:p>
             <a:r>
-              <a:rPr lang="en-US" dirty="0" smtClean="0"/>
+              <a:rPr lang="en-US" dirty="0"/>
               <a:t>From </a:t>
             </a:r>
             <a:r>
-              <a:rPr lang="en-US" sz="1200" b="0" kern="1200" dirty="0" smtClean="0">
+              <a:rPr lang="en-US" sz="1200" b="0" kern="1200" dirty="0">
                 <a:solidFill>
                   <a:schemeClr val="tx1"/>
                 </a:solidFill>
@@ -530,7 +580,7 @@
               <a:t>The Internet: Wires, Cables, &amp; </a:t>
             </a:r>
             <a:r>
-              <a:rPr lang="en-US" sz="1200" b="0" kern="1200" dirty="0" err="1" smtClean="0">
+              <a:rPr lang="en-US" sz="1200" b="0" kern="1200" dirty="0" err="1">
                 <a:solidFill>
                   <a:schemeClr val="tx1"/>
                 </a:solidFill>
@@ -541,7 +591,7 @@
               </a:rPr>
               <a:t>Wifi</a:t>
             </a:r>
-            <a:endParaRPr lang="en-US" sz="1200" b="0" kern="1200" dirty="0" smtClean="0">
+            <a:endParaRPr lang="en-US" sz="1200" b="0" kern="1200" dirty="0">
               <a:solidFill>
                 <a:schemeClr val="tx1"/>
               </a:solidFill>
@@ -553,7 +603,7 @@
           </a:p>
           <a:p>
             <a:r>
-              <a:rPr lang="en-US" sz="1200" u="sng" kern="1200" dirty="0" smtClean="0">
+              <a:rPr lang="en-US" sz="1200" u="sng" kern="1200" dirty="0">
                 <a:solidFill>
                   <a:schemeClr val="tx1"/>
                 </a:solidFill>
@@ -566,7 +616,7 @@
               <a:t>https://www.youtube.com/watch?v=ZhEf7e4kopM</a:t>
             </a:r>
             <a:r>
-              <a:rPr lang="en-US" sz="1200" kern="1200" dirty="0" smtClean="0">
+              <a:rPr lang="en-US" sz="1200" kern="1200" dirty="0">
                 <a:solidFill>
                   <a:schemeClr val="tx1"/>
                 </a:solidFill>
@@ -661,10 +711,9 @@
           </a:lstStyle>
           <a:p>
             <a:r>
-              <a:rPr lang="en-US" smtClean="0"/>
+              <a:rPr lang="en-US"/>
               <a:t>Click to edit Master title style</a:t>
             </a:r>
-            <a:endParaRPr lang="en-US"/>
           </a:p>
         </p:txBody>
       </p:sp>
@@ -726,10 +775,9 @@
           </a:lstStyle>
           <a:p>
             <a:r>
-              <a:rPr lang="en-US" smtClean="0"/>
+              <a:rPr lang="en-US"/>
               <a:t>Click to edit Master subtitle style</a:t>
             </a:r>
-            <a:endParaRPr lang="en-US"/>
           </a:p>
         </p:txBody>
       </p:sp>
@@ -750,7 +798,7 @@
           <a:p>
             <a:fld id="{7D61DBAD-9C00-4820-9166-7A81D22C10EA}" type="datetimeFigureOut">
               <a:rPr lang="en-US" smtClean="0"/>
-              <a:t>9/5/2018</a:t>
+              <a:t>9/9/18</a:t>
             </a:fld>
             <a:endParaRPr lang="en-US"/>
           </a:p>
@@ -844,10 +892,9 @@
           <a:lstStyle/>
           <a:p>
             <a:r>
-              <a:rPr lang="en-US" smtClean="0"/>
+              <a:rPr lang="en-US"/>
               <a:t>Click to edit Master title style</a:t>
             </a:r>
-            <a:endParaRPr lang="en-US"/>
           </a:p>
         </p:txBody>
       </p:sp>
@@ -868,38 +915,37 @@
           <a:p>
             <a:pPr lvl="0"/>
             <a:r>
-              <a:rPr lang="en-US" smtClean="0"/>
+              <a:rPr lang="en-US"/>
               <a:t>Edit Master text styles</a:t>
             </a:r>
           </a:p>
           <a:p>
             <a:pPr lvl="1"/>
             <a:r>
-              <a:rPr lang="en-US" smtClean="0"/>
+              <a:rPr lang="en-US"/>
               <a:t>Second level</a:t>
             </a:r>
           </a:p>
           <a:p>
             <a:pPr lvl="2"/>
             <a:r>
-              <a:rPr lang="en-US" smtClean="0"/>
+              <a:rPr lang="en-US"/>
               <a:t>Third level</a:t>
             </a:r>
           </a:p>
           <a:p>
             <a:pPr lvl="3"/>
             <a:r>
-              <a:rPr lang="en-US" smtClean="0"/>
+              <a:rPr lang="en-US"/>
               <a:t>Fourth level</a:t>
             </a:r>
           </a:p>
           <a:p>
             <a:pPr lvl="4"/>
             <a:r>
-              <a:rPr lang="en-US" smtClean="0"/>
+              <a:rPr lang="en-US"/>
               <a:t>Fifth level</a:t>
             </a:r>
-            <a:endParaRPr lang="en-US"/>
           </a:p>
         </p:txBody>
       </p:sp>
@@ -920,7 +966,7 @@
           <a:p>
             <a:fld id="{7D61DBAD-9C00-4820-9166-7A81D22C10EA}" type="datetimeFigureOut">
               <a:rPr lang="en-US" smtClean="0"/>
-              <a:t>9/5/2018</a:t>
+              <a:t>9/9/18</a:t>
             </a:fld>
             <a:endParaRPr lang="en-US"/>
           </a:p>
@@ -1019,10 +1065,9 @@
           <a:lstStyle/>
           <a:p>
             <a:r>
-              <a:rPr lang="en-US" smtClean="0"/>
+              <a:rPr lang="en-US"/>
               <a:t>Click to edit Master title style</a:t>
             </a:r>
-            <a:endParaRPr lang="en-US"/>
           </a:p>
         </p:txBody>
       </p:sp>
@@ -1048,38 +1093,37 @@
           <a:p>
             <a:pPr lvl="0"/>
             <a:r>
-              <a:rPr lang="en-US" smtClean="0"/>
+              <a:rPr lang="en-US"/>
               <a:t>Edit Master text styles</a:t>
             </a:r>
           </a:p>
           <a:p>
             <a:pPr lvl="1"/>
             <a:r>
-              <a:rPr lang="en-US" smtClean="0"/>
+              <a:rPr lang="en-US"/>
               <a:t>Second level</a:t>
             </a:r>
           </a:p>
           <a:p>
             <a:pPr lvl="2"/>
             <a:r>
-              <a:rPr lang="en-US" smtClean="0"/>
+              <a:rPr lang="en-US"/>
               <a:t>Third level</a:t>
             </a:r>
           </a:p>
           <a:p>
             <a:pPr lvl="3"/>
             <a:r>
-              <a:rPr lang="en-US" smtClean="0"/>
+              <a:rPr lang="en-US"/>
               <a:t>Fourth level</a:t>
             </a:r>
           </a:p>
           <a:p>
             <a:pPr lvl="4"/>
             <a:r>
-              <a:rPr lang="en-US" smtClean="0"/>
+              <a:rPr lang="en-US"/>
               <a:t>Fifth level</a:t>
             </a:r>
-            <a:endParaRPr lang="en-US"/>
           </a:p>
         </p:txBody>
       </p:sp>
@@ -1100,7 +1144,7 @@
           <a:p>
             <a:fld id="{7D61DBAD-9C00-4820-9166-7A81D22C10EA}" type="datetimeFigureOut">
               <a:rPr lang="en-US" smtClean="0"/>
-              <a:t>9/5/2018</a:t>
+              <a:t>9/9/18</a:t>
             </a:fld>
             <a:endParaRPr lang="en-US"/>
           </a:p>
@@ -1194,10 +1238,9 @@
           <a:lstStyle/>
           <a:p>
             <a:r>
-              <a:rPr lang="en-US" smtClean="0"/>
+              <a:rPr lang="en-US"/>
               <a:t>Click to edit Master title style</a:t>
             </a:r>
-            <a:endParaRPr lang="en-US"/>
           </a:p>
         </p:txBody>
       </p:sp>
@@ -1218,38 +1261,37 @@
           <a:p>
             <a:pPr lvl="0"/>
             <a:r>
-              <a:rPr lang="en-US" smtClean="0"/>
+              <a:rPr lang="en-US"/>
               <a:t>Edit Master text styles</a:t>
             </a:r>
           </a:p>
           <a:p>
             <a:pPr lvl="1"/>
             <a:r>
-              <a:rPr lang="en-US" smtClean="0"/>
+              <a:rPr lang="en-US"/>
               <a:t>Second level</a:t>
             </a:r>
           </a:p>
           <a:p>
             <a:pPr lvl="2"/>
             <a:r>
-              <a:rPr lang="en-US" smtClean="0"/>
+              <a:rPr lang="en-US"/>
               <a:t>Third level</a:t>
             </a:r>
           </a:p>
           <a:p>
             <a:pPr lvl="3"/>
             <a:r>
-              <a:rPr lang="en-US" smtClean="0"/>
+              <a:rPr lang="en-US"/>
               <a:t>Fourth level</a:t>
             </a:r>
           </a:p>
           <a:p>
             <a:pPr lvl="4"/>
             <a:r>
-              <a:rPr lang="en-US" smtClean="0"/>
+              <a:rPr lang="en-US"/>
               <a:t>Fifth level</a:t>
             </a:r>
-            <a:endParaRPr lang="en-US"/>
           </a:p>
         </p:txBody>
       </p:sp>
@@ -1270,7 +1312,7 @@
           <a:p>
             <a:fld id="{7D61DBAD-9C00-4820-9166-7A81D22C10EA}" type="datetimeFigureOut">
               <a:rPr lang="en-US" smtClean="0"/>
-              <a:t>9/5/2018</a:t>
+              <a:t>9/9/18</a:t>
             </a:fld>
             <a:endParaRPr lang="en-US"/>
           </a:p>
@@ -1373,10 +1415,9 @@
           </a:lstStyle>
           <a:p>
             <a:r>
-              <a:rPr lang="en-US" smtClean="0"/>
+              <a:rPr lang="en-US"/>
               <a:t>Click to edit Master title style</a:t>
             </a:r>
-            <a:endParaRPr lang="en-US"/>
           </a:p>
         </p:txBody>
       </p:sp>
@@ -1493,7 +1534,7 @@
           <a:p>
             <a:pPr lvl="0"/>
             <a:r>
-              <a:rPr lang="en-US" smtClean="0"/>
+              <a:rPr lang="en-US"/>
               <a:t>Edit Master text styles</a:t>
             </a:r>
           </a:p>
@@ -1516,7 +1557,7 @@
           <a:p>
             <a:fld id="{7D61DBAD-9C00-4820-9166-7A81D22C10EA}" type="datetimeFigureOut">
               <a:rPr lang="en-US" smtClean="0"/>
-              <a:t>9/5/2018</a:t>
+              <a:t>9/9/18</a:t>
             </a:fld>
             <a:endParaRPr lang="en-US"/>
           </a:p>
@@ -1610,10 +1651,9 @@
           <a:lstStyle/>
           <a:p>
             <a:r>
-              <a:rPr lang="en-US" smtClean="0"/>
+              <a:rPr lang="en-US"/>
               <a:t>Click to edit Master title style</a:t>
             </a:r>
-            <a:endParaRPr lang="en-US"/>
           </a:p>
         </p:txBody>
       </p:sp>
@@ -1639,38 +1679,37 @@
           <a:p>
             <a:pPr lvl="0"/>
             <a:r>
-              <a:rPr lang="en-US" smtClean="0"/>
+              <a:rPr lang="en-US"/>
               <a:t>Edit Master text styles</a:t>
             </a:r>
           </a:p>
           <a:p>
             <a:pPr lvl="1"/>
             <a:r>
-              <a:rPr lang="en-US" smtClean="0"/>
+              <a:rPr lang="en-US"/>
               <a:t>Second level</a:t>
             </a:r>
           </a:p>
           <a:p>
             <a:pPr lvl="2"/>
             <a:r>
-              <a:rPr lang="en-US" smtClean="0"/>
+              <a:rPr lang="en-US"/>
               <a:t>Third level</a:t>
             </a:r>
           </a:p>
           <a:p>
             <a:pPr lvl="3"/>
             <a:r>
-              <a:rPr lang="en-US" smtClean="0"/>
+              <a:rPr lang="en-US"/>
               <a:t>Fourth level</a:t>
             </a:r>
           </a:p>
           <a:p>
             <a:pPr lvl="4"/>
             <a:r>
-              <a:rPr lang="en-US" smtClean="0"/>
+              <a:rPr lang="en-US"/>
               <a:t>Fifth level</a:t>
             </a:r>
-            <a:endParaRPr lang="en-US"/>
           </a:p>
         </p:txBody>
       </p:sp>
@@ -1696,38 +1735,37 @@
           <a:p>
             <a:pPr lvl="0"/>
             <a:r>
-              <a:rPr lang="en-US" smtClean="0"/>
+              <a:rPr lang="en-US"/>
               <a:t>Edit Master text styles</a:t>
             </a:r>
           </a:p>
           <a:p>
             <a:pPr lvl="1"/>
             <a:r>
-              <a:rPr lang="en-US" smtClean="0"/>
+              <a:rPr lang="en-US"/>
               <a:t>Second level</a:t>
             </a:r>
           </a:p>
           <a:p>
             <a:pPr lvl="2"/>
             <a:r>
-              <a:rPr lang="en-US" smtClean="0"/>
+              <a:rPr lang="en-US"/>
               <a:t>Third level</a:t>
             </a:r>
           </a:p>
           <a:p>
             <a:pPr lvl="3"/>
             <a:r>
-              <a:rPr lang="en-US" smtClean="0"/>
+              <a:rPr lang="en-US"/>
               <a:t>Fourth level</a:t>
             </a:r>
           </a:p>
           <a:p>
             <a:pPr lvl="4"/>
             <a:r>
-              <a:rPr lang="en-US" smtClean="0"/>
+              <a:rPr lang="en-US"/>
               <a:t>Fifth level</a:t>
             </a:r>
-            <a:endParaRPr lang="en-US"/>
           </a:p>
         </p:txBody>
       </p:sp>
@@ -1748,7 +1786,7 @@
           <a:p>
             <a:fld id="{7D61DBAD-9C00-4820-9166-7A81D22C10EA}" type="datetimeFigureOut">
               <a:rPr lang="en-US" smtClean="0"/>
-              <a:t>9/5/2018</a:t>
+              <a:t>9/9/18</a:t>
             </a:fld>
             <a:endParaRPr lang="en-US"/>
           </a:p>
@@ -1847,10 +1885,9 @@
           <a:lstStyle/>
           <a:p>
             <a:r>
-              <a:rPr lang="en-US" smtClean="0"/>
+              <a:rPr lang="en-US"/>
               <a:t>Click to edit Master title style</a:t>
             </a:r>
-            <a:endParaRPr lang="en-US"/>
           </a:p>
         </p:txBody>
       </p:sp>
@@ -1913,7 +1950,7 @@
           <a:p>
             <a:pPr lvl="0"/>
             <a:r>
-              <a:rPr lang="en-US" smtClean="0"/>
+              <a:rPr lang="en-US"/>
               <a:t>Edit Master text styles</a:t>
             </a:r>
           </a:p>
@@ -1941,38 +1978,37 @@
           <a:p>
             <a:pPr lvl="0"/>
             <a:r>
-              <a:rPr lang="en-US" smtClean="0"/>
+              <a:rPr lang="en-US"/>
               <a:t>Edit Master text styles</a:t>
             </a:r>
           </a:p>
           <a:p>
             <a:pPr lvl="1"/>
             <a:r>
-              <a:rPr lang="en-US" smtClean="0"/>
+              <a:rPr lang="en-US"/>
               <a:t>Second level</a:t>
             </a:r>
           </a:p>
           <a:p>
             <a:pPr lvl="2"/>
             <a:r>
-              <a:rPr lang="en-US" smtClean="0"/>
+              <a:rPr lang="en-US"/>
               <a:t>Third level</a:t>
             </a:r>
           </a:p>
           <a:p>
             <a:pPr lvl="3"/>
             <a:r>
-              <a:rPr lang="en-US" smtClean="0"/>
+              <a:rPr lang="en-US"/>
               <a:t>Fourth level</a:t>
             </a:r>
           </a:p>
           <a:p>
             <a:pPr lvl="4"/>
             <a:r>
-              <a:rPr lang="en-US" smtClean="0"/>
+              <a:rPr lang="en-US"/>
               <a:t>Fifth level</a:t>
             </a:r>
-            <a:endParaRPr lang="en-US"/>
           </a:p>
         </p:txBody>
       </p:sp>
@@ -2035,7 +2071,7 @@
           <a:p>
             <a:pPr lvl="0"/>
             <a:r>
-              <a:rPr lang="en-US" smtClean="0"/>
+              <a:rPr lang="en-US"/>
               <a:t>Edit Master text styles</a:t>
             </a:r>
           </a:p>
@@ -2063,38 +2099,37 @@
           <a:p>
             <a:pPr lvl="0"/>
             <a:r>
-              <a:rPr lang="en-US" smtClean="0"/>
+              <a:rPr lang="en-US"/>
               <a:t>Edit Master text styles</a:t>
             </a:r>
           </a:p>
           <a:p>
             <a:pPr lvl="1"/>
             <a:r>
-              <a:rPr lang="en-US" smtClean="0"/>
+              <a:rPr lang="en-US"/>
               <a:t>Second level</a:t>
             </a:r>
           </a:p>
           <a:p>
             <a:pPr lvl="2"/>
             <a:r>
-              <a:rPr lang="en-US" smtClean="0"/>
+              <a:rPr lang="en-US"/>
               <a:t>Third level</a:t>
             </a:r>
           </a:p>
           <a:p>
             <a:pPr lvl="3"/>
             <a:r>
-              <a:rPr lang="en-US" smtClean="0"/>
+              <a:rPr lang="en-US"/>
               <a:t>Fourth level</a:t>
             </a:r>
           </a:p>
           <a:p>
             <a:pPr lvl="4"/>
             <a:r>
-              <a:rPr lang="en-US" smtClean="0"/>
+              <a:rPr lang="en-US"/>
               <a:t>Fifth level</a:t>
             </a:r>
-            <a:endParaRPr lang="en-US"/>
           </a:p>
         </p:txBody>
       </p:sp>
@@ -2115,7 +2150,7 @@
           <a:p>
             <a:fld id="{7D61DBAD-9C00-4820-9166-7A81D22C10EA}" type="datetimeFigureOut">
               <a:rPr lang="en-US" smtClean="0"/>
-              <a:t>9/5/2018</a:t>
+              <a:t>9/9/18</a:t>
             </a:fld>
             <a:endParaRPr lang="en-US"/>
           </a:p>
@@ -2209,10 +2244,9 @@
           <a:lstStyle/>
           <a:p>
             <a:r>
-              <a:rPr lang="en-US" smtClean="0"/>
+              <a:rPr lang="en-US"/>
               <a:t>Click to edit Master title style</a:t>
             </a:r>
-            <a:endParaRPr lang="en-US"/>
           </a:p>
         </p:txBody>
       </p:sp>
@@ -2233,7 +2267,7 @@
           <a:p>
             <a:fld id="{7D61DBAD-9C00-4820-9166-7A81D22C10EA}" type="datetimeFigureOut">
               <a:rPr lang="en-US" smtClean="0"/>
-              <a:t>9/5/2018</a:t>
+              <a:t>9/9/18</a:t>
             </a:fld>
             <a:endParaRPr lang="en-US"/>
           </a:p>
@@ -2328,7 +2362,7 @@
           <a:p>
             <a:fld id="{7D61DBAD-9C00-4820-9166-7A81D22C10EA}" type="datetimeFigureOut">
               <a:rPr lang="en-US" smtClean="0"/>
-              <a:t>9/5/2018</a:t>
+              <a:t>9/9/18</a:t>
             </a:fld>
             <a:endParaRPr lang="en-US"/>
           </a:p>
@@ -2431,10 +2465,9 @@
           </a:lstStyle>
           <a:p>
             <a:r>
-              <a:rPr lang="en-US" smtClean="0"/>
+              <a:rPr lang="en-US"/>
               <a:t>Click to edit Master title style</a:t>
             </a:r>
-            <a:endParaRPr lang="en-US"/>
           </a:p>
         </p:txBody>
       </p:sp>
@@ -2488,38 +2521,37 @@
           <a:p>
             <a:pPr lvl="0"/>
             <a:r>
-              <a:rPr lang="en-US" smtClean="0"/>
+              <a:rPr lang="en-US"/>
               <a:t>Edit Master text styles</a:t>
             </a:r>
           </a:p>
           <a:p>
             <a:pPr lvl="1"/>
             <a:r>
-              <a:rPr lang="en-US" smtClean="0"/>
+              <a:rPr lang="en-US"/>
               <a:t>Second level</a:t>
             </a:r>
           </a:p>
           <a:p>
             <a:pPr lvl="2"/>
             <a:r>
-              <a:rPr lang="en-US" smtClean="0"/>
+              <a:rPr lang="en-US"/>
               <a:t>Third level</a:t>
             </a:r>
           </a:p>
           <a:p>
             <a:pPr lvl="3"/>
             <a:r>
-              <a:rPr lang="en-US" smtClean="0"/>
+              <a:rPr lang="en-US"/>
               <a:t>Fourth level</a:t>
             </a:r>
           </a:p>
           <a:p>
             <a:pPr lvl="4"/>
             <a:r>
-              <a:rPr lang="en-US" smtClean="0"/>
+              <a:rPr lang="en-US"/>
               <a:t>Fifth level</a:t>
             </a:r>
-            <a:endParaRPr lang="en-US"/>
           </a:p>
         </p:txBody>
       </p:sp>
@@ -2582,7 +2614,7 @@
           <a:p>
             <a:pPr lvl="0"/>
             <a:r>
-              <a:rPr lang="en-US" smtClean="0"/>
+              <a:rPr lang="en-US"/>
               <a:t>Edit Master text styles</a:t>
             </a:r>
           </a:p>
@@ -2605,7 +2637,7 @@
           <a:p>
             <a:fld id="{7D61DBAD-9C00-4820-9166-7A81D22C10EA}" type="datetimeFigureOut">
               <a:rPr lang="en-US" smtClean="0"/>
-              <a:t>9/5/2018</a:t>
+              <a:t>9/9/18</a:t>
             </a:fld>
             <a:endParaRPr lang="en-US"/>
           </a:p>
@@ -2708,10 +2740,9 @@
           </a:lstStyle>
           <a:p>
             <a:r>
-              <a:rPr lang="en-US" smtClean="0"/>
+              <a:rPr lang="en-US"/>
               <a:t>Click to edit Master title style</a:t>
             </a:r>
-            <a:endParaRPr lang="en-US"/>
           </a:p>
         </p:txBody>
       </p:sp>
@@ -2835,7 +2866,7 @@
           <a:p>
             <a:pPr lvl="0"/>
             <a:r>
-              <a:rPr lang="en-US" smtClean="0"/>
+              <a:rPr lang="en-US"/>
               <a:t>Edit Master text styles</a:t>
             </a:r>
           </a:p>
@@ -2858,7 +2889,7 @@
           <a:p>
             <a:fld id="{7D61DBAD-9C00-4820-9166-7A81D22C10EA}" type="datetimeFigureOut">
               <a:rPr lang="en-US" smtClean="0"/>
-              <a:t>9/5/2018</a:t>
+              <a:t>9/9/18</a:t>
             </a:fld>
             <a:endParaRPr lang="en-US"/>
           </a:p>
@@ -2967,10 +2998,9 @@
           <a:lstStyle/>
           <a:p>
             <a:r>
-              <a:rPr lang="en-US" smtClean="0"/>
+              <a:rPr lang="en-US"/>
               <a:t>Click to edit Master title style</a:t>
             </a:r>
-            <a:endParaRPr lang="en-US"/>
           </a:p>
         </p:txBody>
       </p:sp>
@@ -3001,38 +3031,37 @@
           <a:p>
             <a:pPr lvl="0"/>
             <a:r>
-              <a:rPr lang="en-US" smtClean="0"/>
+              <a:rPr lang="en-US"/>
               <a:t>Edit Master text styles</a:t>
             </a:r>
           </a:p>
           <a:p>
             <a:pPr lvl="1"/>
             <a:r>
-              <a:rPr lang="en-US" smtClean="0"/>
+              <a:rPr lang="en-US"/>
               <a:t>Second level</a:t>
             </a:r>
           </a:p>
           <a:p>
             <a:pPr lvl="2"/>
             <a:r>
-              <a:rPr lang="en-US" smtClean="0"/>
+              <a:rPr lang="en-US"/>
               <a:t>Third level</a:t>
             </a:r>
           </a:p>
           <a:p>
             <a:pPr lvl="3"/>
             <a:r>
-              <a:rPr lang="en-US" smtClean="0"/>
+              <a:rPr lang="en-US"/>
               <a:t>Fourth level</a:t>
             </a:r>
           </a:p>
           <a:p>
             <a:pPr lvl="4"/>
             <a:r>
-              <a:rPr lang="en-US" smtClean="0"/>
+              <a:rPr lang="en-US"/>
               <a:t>Fifth level</a:t>
             </a:r>
-            <a:endParaRPr lang="en-US"/>
           </a:p>
         </p:txBody>
       </p:sp>
@@ -3071,7 +3100,7 @@
           <a:p>
             <a:fld id="{7D61DBAD-9C00-4820-9166-7A81D22C10EA}" type="datetimeFigureOut">
               <a:rPr lang="en-US" smtClean="0"/>
-              <a:t>9/5/2018</a:t>
+              <a:t>9/9/18</a:t>
             </a:fld>
             <a:endParaRPr lang="en-US"/>
           </a:p>
@@ -3492,10 +3521,9 @@
           <a:lstStyle/>
           <a:p>
             <a:r>
-              <a:rPr lang="en-US" dirty="0" smtClean="0"/>
+              <a:rPr lang="en-US" dirty="0"/>
               <a:t>Internet Protocols</a:t>
             </a:r>
-            <a:endParaRPr lang="en-US" dirty="0"/>
           </a:p>
         </p:txBody>
       </p:sp>
@@ -3515,10 +3543,9 @@
           <a:lstStyle/>
           <a:p>
             <a:r>
-              <a:rPr lang="en-US" dirty="0" smtClean="0"/>
+              <a:rPr lang="en-US" dirty="0"/>
               <a:t>“It’s all just a series of tubes…”</a:t>
             </a:r>
-            <a:endParaRPr lang="en-US" dirty="0"/>
           </a:p>
         </p:txBody>
       </p:sp>
@@ -3526,82 +3553,6 @@
     <p:extLst>
       <p:ext uri="{BB962C8B-B14F-4D97-AF65-F5344CB8AC3E}">
         <p14:creationId xmlns:p14="http://schemas.microsoft.com/office/powerpoint/2010/main" val="2845706661"/>
-      </p:ext>
-    </p:extLst>
-  </p:cSld>
-  <p:clrMapOvr>
-    <a:masterClrMapping/>
-  </p:clrMapOvr>
-</p:sld>
-</file>
-
-<file path=ppt/slides/slide10.xml><?xml version="1.0" encoding="utf-8"?>
-<p:sld xmlns:a="http://schemas.openxmlformats.org/drawingml/2006/main" xmlns:r="http://schemas.openxmlformats.org/officeDocument/2006/relationships" xmlns:p="http://schemas.openxmlformats.org/presentationml/2006/main">
-  <p:cSld>
-    <p:spTree>
-      <p:nvGrpSpPr>
-        <p:cNvPr id="1" name=""/>
-        <p:cNvGrpSpPr/>
-        <p:nvPr/>
-      </p:nvGrpSpPr>
-      <p:grpSpPr>
-        <a:xfrm>
-          <a:off x="0" y="0"/>
-          <a:ext cx="0" cy="0"/>
-          <a:chOff x="0" y="0"/>
-          <a:chExt cx="0" cy="0"/>
-        </a:xfrm>
-      </p:grpSpPr>
-      <p:sp>
-        <p:nvSpPr>
-          <p:cNvPr id="2" name="Title 1"/>
-          <p:cNvSpPr>
-            <a:spLocks noGrp="1"/>
-          </p:cNvSpPr>
-          <p:nvPr>
-            <p:ph type="title"/>
-          </p:nvPr>
-        </p:nvSpPr>
-        <p:spPr/>
-        <p:txBody>
-          <a:bodyPr/>
-          <a:lstStyle/>
-          <a:p>
-            <a:r>
-              <a:rPr lang="en-US" dirty="0" smtClean="0"/>
-              <a:t>Bit Transmission</a:t>
-            </a:r>
-            <a:endParaRPr lang="en-US" dirty="0"/>
-          </a:p>
-        </p:txBody>
-      </p:sp>
-      <p:sp>
-        <p:nvSpPr>
-          <p:cNvPr id="3" name="Content Placeholder 2"/>
-          <p:cNvSpPr>
-            <a:spLocks noGrp="1"/>
-          </p:cNvSpPr>
-          <p:nvPr>
-            <p:ph idx="1"/>
-          </p:nvPr>
-        </p:nvSpPr>
-        <p:spPr/>
-        <p:txBody>
-          <a:bodyPr/>
-          <a:lstStyle/>
-          <a:p>
-            <a:r>
-              <a:rPr lang="en-US" dirty="0" smtClean="0"/>
-              <a:t>Bits are transmitted by either electricity, light or radio (where 1 is represented by one state of the transmission medium and 0 is another state)</a:t>
-            </a:r>
-            <a:endParaRPr lang="en-US" dirty="0"/>
-          </a:p>
-        </p:txBody>
-      </p:sp>
-    </p:spTree>
-    <p:extLst>
-      <p:ext uri="{BB962C8B-B14F-4D97-AF65-F5344CB8AC3E}">
-        <p14:creationId xmlns:p14="http://schemas.microsoft.com/office/powerpoint/2010/main" val="4281448916"/>
       </p:ext>
     </p:extLst>
   </p:cSld>
@@ -3644,10 +3595,9 @@
           <a:lstStyle/>
           <a:p>
             <a:r>
-              <a:rPr lang="en-US" dirty="0" smtClean="0"/>
+              <a:rPr lang="en-US" dirty="0"/>
               <a:t>Why Does the Internet Exist?</a:t>
             </a:r>
-            <a:endParaRPr lang="en-US" dirty="0"/>
           </a:p>
         </p:txBody>
       </p:sp>
@@ -3669,77 +3619,76 @@
           <a:lstStyle/>
           <a:p>
             <a:r>
-              <a:rPr lang="en-US" dirty="0" smtClean="0"/>
+              <a:rPr lang="en-US" dirty="0"/>
               <a:t>To send messages, so let’s practice sending messages</a:t>
             </a:r>
           </a:p>
           <a:p>
             <a:r>
-              <a:rPr lang="en-US" dirty="0" smtClean="0"/>
+              <a:rPr lang="en-US" dirty="0"/>
               <a:t>Activity</a:t>
             </a:r>
           </a:p>
           <a:p>
             <a:pPr lvl="1"/>
             <a:r>
-              <a:rPr lang="en-US" dirty="0" smtClean="0"/>
+              <a:rPr lang="en-US" dirty="0"/>
               <a:t>Get into pairs of 2</a:t>
             </a:r>
           </a:p>
           <a:p>
             <a:pPr lvl="1"/>
             <a:r>
-              <a:rPr lang="en-US" dirty="0" smtClean="0"/>
+              <a:rPr lang="en-US" dirty="0"/>
               <a:t>Download the worksheet from canvas</a:t>
             </a:r>
           </a:p>
           <a:p>
             <a:pPr lvl="1"/>
             <a:r>
-              <a:rPr lang="en-US" dirty="0" smtClean="0"/>
+              <a:rPr lang="en-US" dirty="0"/>
               <a:t>Login to Code.org and go to the Internet Simulator (UI, Stage 3)</a:t>
             </a:r>
           </a:p>
           <a:p>
             <a:pPr lvl="1"/>
             <a:r>
-              <a:rPr lang="en-US" dirty="0" smtClean="0"/>
+              <a:rPr lang="en-US" dirty="0"/>
               <a:t>Find your partner and link up</a:t>
             </a:r>
-            <a:endParaRPr lang="en-US" dirty="0"/>
           </a:p>
           <a:p>
             <a:pPr lvl="1"/>
             <a:r>
-              <a:rPr lang="en-US" dirty="0" smtClean="0"/>
+              <a:rPr lang="en-US" dirty="0"/>
               <a:t>Discuss with your partner</a:t>
             </a:r>
           </a:p>
           <a:p>
             <a:pPr lvl="2"/>
             <a:r>
-              <a:rPr lang="en-US" dirty="0" smtClean="0"/>
+              <a:rPr lang="en-US" dirty="0"/>
               <a:t>You need to come up with a method of sending AA, AB, BA, or BB to the other person and back</a:t>
             </a:r>
           </a:p>
           <a:p>
             <a:pPr lvl="2"/>
             <a:r>
-              <a:rPr lang="en-US" b="1" u="sng" dirty="0" smtClean="0"/>
+              <a:rPr lang="en-US" b="1" u="sng" dirty="0"/>
               <a:t>Make your method generic enough that it could support longer strings as well</a:t>
             </a:r>
           </a:p>
           <a:p>
             <a:pPr lvl="1"/>
             <a:r>
-              <a:rPr lang="en-US" dirty="0" smtClean="0"/>
+              <a:rPr lang="en-US" dirty="0"/>
               <a:t>Complete the worksheet and have one person turn it in on canvas for both of you</a:t>
             </a:r>
           </a:p>
           <a:p>
             <a:pPr lvl="2"/>
             <a:r>
-              <a:rPr lang="en-US" dirty="0" smtClean="0"/>
+              <a:rPr lang="en-US" dirty="0"/>
               <a:t>Make sure both person’s names are on the sheet</a:t>
             </a:r>
           </a:p>
@@ -3791,10 +3740,9 @@
           <a:lstStyle/>
           <a:p>
             <a:r>
-              <a:rPr lang="en-US" dirty="0" smtClean="0"/>
+              <a:rPr lang="en-US" dirty="0"/>
               <a:t>Protocols</a:t>
             </a:r>
-            <a:endParaRPr lang="en-US" dirty="0"/>
           </a:p>
         </p:txBody>
       </p:sp>
@@ -3816,68 +3764,68 @@
           <a:lstStyle/>
           <a:p>
             <a:r>
-              <a:rPr lang="en-US" dirty="0" smtClean="0"/>
+              <a:rPr lang="en-US" dirty="0"/>
               <a:t>Protocols are a method of coordinating messages between two parties so that each party can communicate its message to the other</a:t>
             </a:r>
           </a:p>
           <a:p>
             <a:r>
-              <a:rPr lang="en-US" dirty="0" smtClean="0"/>
+              <a:rPr lang="en-US" dirty="0"/>
               <a:t>The A and B in the activity represent 0 and 1 in binary</a:t>
             </a:r>
           </a:p>
           <a:p>
             <a:r>
-              <a:rPr lang="en-US" dirty="0" smtClean="0"/>
+              <a:rPr lang="en-US" dirty="0"/>
               <a:t>Binary Protocols</a:t>
             </a:r>
           </a:p>
           <a:p>
             <a:pPr lvl="1"/>
             <a:r>
-              <a:rPr lang="en-US" dirty="0" smtClean="0"/>
+              <a:rPr lang="en-US" dirty="0"/>
               <a:t>IP – Internet Protocol</a:t>
             </a:r>
           </a:p>
           <a:p>
             <a:pPr lvl="1"/>
             <a:r>
-              <a:rPr lang="en-US" dirty="0" smtClean="0"/>
+              <a:rPr lang="en-US" dirty="0"/>
               <a:t>HTTP – </a:t>
             </a:r>
             <a:r>
-              <a:rPr lang="en-US" dirty="0" err="1" smtClean="0"/>
+              <a:rPr lang="en-US" dirty="0" err="1"/>
               <a:t>HyperText</a:t>
             </a:r>
             <a:r>
-              <a:rPr lang="en-US" dirty="0" smtClean="0"/>
+              <a:rPr lang="en-US" dirty="0"/>
               <a:t> Transfer Protocol</a:t>
             </a:r>
           </a:p>
           <a:p>
             <a:pPr lvl="1"/>
             <a:r>
-              <a:rPr lang="en-US" dirty="0" smtClean="0"/>
+              <a:rPr lang="en-US" dirty="0"/>
               <a:t>FTP – File Transfer Protocol</a:t>
             </a:r>
           </a:p>
           <a:p>
             <a:pPr lvl="1"/>
             <a:r>
-              <a:rPr lang="en-US" dirty="0" smtClean="0"/>
+              <a:rPr lang="en-US" dirty="0"/>
               <a:t>SMTP – Simple Mail Transfer Protocol</a:t>
             </a:r>
           </a:p>
           <a:p>
             <a:pPr lvl="1"/>
             <a:r>
-              <a:rPr lang="en-US" dirty="0" smtClean="0"/>
+              <a:rPr lang="en-US" dirty="0"/>
               <a:t>DHCP – Dynamic Host Configuration Protocol</a:t>
             </a:r>
           </a:p>
           <a:p>
             <a:r>
-              <a:rPr lang="en-US" dirty="0" smtClean="0"/>
+              <a:rPr lang="en-US" dirty="0"/>
               <a:t>Everything done over the internet is a protocol</a:t>
             </a:r>
           </a:p>
@@ -3959,10 +3907,9 @@
           <a:lstStyle/>
           <a:p>
             <a:r>
-              <a:rPr lang="en-US" dirty="0" smtClean="0"/>
+              <a:rPr lang="en-US" dirty="0"/>
               <a:t>Terms</a:t>
             </a:r>
-            <a:endParaRPr lang="en-US" dirty="0"/>
           </a:p>
         </p:txBody>
       </p:sp>
@@ -3990,15 +3937,7 @@
           <a:p>
             <a:r>
               <a:rPr lang="en-US" sz="1900" dirty="0"/>
-              <a:t>The Internet </a:t>
-            </a:r>
-            <a:r>
-              <a:rPr lang="en-US" sz="1900" dirty="0" smtClean="0"/>
-              <a:t>– a tangible</a:t>
-            </a:r>
-            <a:r>
-              <a:rPr lang="en-US" sz="1900" dirty="0"/>
-              <a:t>, physical system made to move information.</a:t>
+              <a:t>The Internet – a tangible, physical system made to move information.</a:t>
             </a:r>
           </a:p>
           <a:p>
@@ -4022,27 +3961,14 @@
           <a:p>
             <a:r>
               <a:rPr lang="en-US" sz="1900" dirty="0"/>
-              <a:t>Kilobyte – </a:t>
-            </a:r>
-            <a:r>
-              <a:rPr lang="en-US" sz="1900" dirty="0" smtClean="0"/>
-              <a:t>1,000 </a:t>
-            </a:r>
+              <a:t>Kilobyte – 1,000 bytes; 1,000 KB = Megabyte</a:t>
+            </a:r>
+          </a:p>
+          <a:p>
             <a:r>
               <a:rPr lang="en-US" sz="1900" dirty="0"/>
-              <a:t>bytes; 1,000 KB = Megabyte</a:t>
-            </a:r>
-          </a:p>
-          <a:p>
-            <a:r>
-              <a:rPr lang="en-US" sz="1900" dirty="0"/>
-              <a:t>Bits transmitted by electricity, light, and radio </a:t>
-            </a:r>
-            <a:r>
-              <a:rPr lang="en-US" sz="1900" dirty="0" smtClean="0"/>
-              <a:t>waves</a:t>
-            </a:r>
-            <a:endParaRPr lang="en-US" sz="1900" dirty="0"/>
+              <a:t>Bits transmitted by electricity, light, and radio waves</a:t>
+            </a:r>
           </a:p>
         </p:txBody>
       </p:sp>
@@ -4088,19 +4014,14 @@
           <a:p>
             <a:r>
               <a:rPr lang="en-US" dirty="0"/>
-              <a:t>Protocol – set of rules governing the exchange or transmission of data between devices</a:t>
-            </a:r>
-            <a:r>
-              <a:rPr lang="en-US" dirty="0" smtClean="0"/>
-              <a:t>.</a:t>
-            </a:r>
-          </a:p>
-          <a:p>
-            <a:r>
-              <a:rPr lang="en-US" dirty="0" smtClean="0"/>
+              <a:t>Protocol – set of rules governing the exchange or transmission of data between devices.</a:t>
+            </a:r>
+          </a:p>
+          <a:p>
+            <a:r>
+              <a:rPr lang="en-US" dirty="0"/>
               <a:t>Fiber optic cable – threads of glass engineered to reflect light; fast and no signal loss; more expensive than copper.</a:t>
             </a:r>
-            <a:endParaRPr lang="en-US" dirty="0"/>
           </a:p>
         </p:txBody>
       </p:sp>
@@ -4719,10 +4640,9 @@
           <a:lstStyle/>
           <a:p>
             <a:r>
-              <a:rPr lang="en-US" dirty="0" smtClean="0"/>
-              <a:t>Binary</a:t>
-            </a:r>
-            <a:endParaRPr lang="en-US" dirty="0"/>
+              <a:rPr lang="en-US" dirty="0"/>
+              <a:t>Bit Transmission</a:t>
+            </a:r>
           </a:p>
         </p:txBody>
       </p:sp>
@@ -4738,641 +4658,20 @@
         </p:nvSpPr>
         <p:spPr/>
         <p:txBody>
-          <a:bodyPr>
-            <a:normAutofit lnSpcReduction="10000"/>
-          </a:bodyPr>
-          <a:lstStyle/>
-          <a:p>
-            <a:r>
-              <a:rPr lang="en-US" dirty="0" smtClean="0"/>
-              <a:t>Electronics do better with only two possible values than 10 thus the creation of binary</a:t>
-            </a:r>
-          </a:p>
-          <a:p>
-            <a:r>
-              <a:rPr lang="en-US" dirty="0" smtClean="0"/>
-              <a:t>Binary can encode any number that decimal numbers can</a:t>
-            </a:r>
-          </a:p>
-          <a:p>
-            <a:r>
-              <a:rPr lang="en-US" dirty="0" smtClean="0"/>
-              <a:t>We use the place a number occurs to determine its value</a:t>
-            </a:r>
-          </a:p>
-          <a:p>
-            <a:r>
-              <a:rPr lang="en-US" dirty="0" smtClean="0"/>
-              <a:t>For example, 12345</a:t>
-            </a:r>
-          </a:p>
-          <a:p>
-            <a:pPr lvl="1"/>
-            <a:r>
-              <a:rPr lang="en-US" dirty="0" smtClean="0"/>
-              <a:t>1 is in the 10</a:t>
-            </a:r>
-            <a:r>
-              <a:rPr lang="en-US" baseline="30000" dirty="0" smtClean="0"/>
-              <a:t>4 </a:t>
-            </a:r>
-            <a:r>
-              <a:rPr lang="en-US" dirty="0" smtClean="0"/>
-              <a:t>place</a:t>
-            </a:r>
-          </a:p>
-          <a:p>
-            <a:pPr lvl="1"/>
+          <a:bodyPr/>
+          <a:lstStyle/>
+          <a:p>
             <a:r>
               <a:rPr lang="en-US" dirty="0"/>
-              <a:t>2</a:t>
-            </a:r>
-            <a:r>
-              <a:rPr lang="en-US" dirty="0" smtClean="0"/>
-              <a:t> is in the 10</a:t>
-            </a:r>
-            <a:r>
-              <a:rPr lang="en-US" baseline="30000" dirty="0"/>
-              <a:t>3</a:t>
-            </a:r>
-            <a:r>
-              <a:rPr lang="en-US" baseline="30000" dirty="0" smtClean="0"/>
-              <a:t> </a:t>
-            </a:r>
-            <a:r>
-              <a:rPr lang="en-US" dirty="0" smtClean="0"/>
-              <a:t>place</a:t>
-            </a:r>
-          </a:p>
-          <a:p>
-            <a:pPr lvl="1"/>
-            <a:r>
-              <a:rPr lang="en-US" dirty="0"/>
-              <a:t>3</a:t>
-            </a:r>
-            <a:r>
-              <a:rPr lang="en-US" dirty="0" smtClean="0"/>
-              <a:t> is in the 10</a:t>
-            </a:r>
-            <a:r>
-              <a:rPr lang="en-US" baseline="30000" dirty="0" smtClean="0"/>
-              <a:t>2 </a:t>
-            </a:r>
-            <a:r>
-              <a:rPr lang="en-US" dirty="0" smtClean="0"/>
-              <a:t>place</a:t>
-            </a:r>
-          </a:p>
-          <a:p>
-            <a:pPr lvl="1"/>
-            <a:r>
-              <a:rPr lang="en-US" dirty="0"/>
-              <a:t>4</a:t>
-            </a:r>
-            <a:r>
-              <a:rPr lang="en-US" dirty="0" smtClean="0"/>
-              <a:t> is in the 10</a:t>
-            </a:r>
-            <a:r>
-              <a:rPr lang="en-US" baseline="30000" dirty="0"/>
-              <a:t>1</a:t>
-            </a:r>
-            <a:r>
-              <a:rPr lang="en-US" baseline="30000" dirty="0" smtClean="0"/>
-              <a:t> </a:t>
-            </a:r>
-            <a:r>
-              <a:rPr lang="en-US" dirty="0" smtClean="0"/>
-              <a:t>place</a:t>
-            </a:r>
-          </a:p>
-          <a:p>
-            <a:pPr lvl="1"/>
-            <a:r>
-              <a:rPr lang="en-US" dirty="0"/>
-              <a:t>5</a:t>
-            </a:r>
-            <a:r>
-              <a:rPr lang="en-US" dirty="0" smtClean="0"/>
-              <a:t> is in the 10</a:t>
-            </a:r>
-            <a:r>
-              <a:rPr lang="en-US" baseline="30000" dirty="0"/>
-              <a:t>0</a:t>
-            </a:r>
-            <a:r>
-              <a:rPr lang="en-US" baseline="30000" dirty="0" smtClean="0"/>
-              <a:t> </a:t>
-            </a:r>
-            <a:r>
-              <a:rPr lang="en-US" dirty="0" smtClean="0"/>
-              <a:t>place</a:t>
-            </a:r>
-            <a:endParaRPr lang="en-US" dirty="0"/>
+              <a:t>Bits are transmitted by either electricity, light or radio (where 1 is represented by one state of the transmission medium and 0 is another state)</a:t>
+            </a:r>
           </a:p>
         </p:txBody>
       </p:sp>
     </p:spTree>
     <p:extLst>
       <p:ext uri="{BB962C8B-B14F-4D97-AF65-F5344CB8AC3E}">
-        <p14:creationId xmlns:p14="http://schemas.microsoft.com/office/powerpoint/2010/main" val="3764866272"/>
-      </p:ext>
-    </p:extLst>
-  </p:cSld>
-  <p:clrMapOvr>
-    <a:masterClrMapping/>
-  </p:clrMapOvr>
-</p:sld>
-</file>
-
-<file path=ppt/slides/slide7.xml><?xml version="1.0" encoding="utf-8"?>
-<p:sld xmlns:a="http://schemas.openxmlformats.org/drawingml/2006/main" xmlns:r="http://schemas.openxmlformats.org/officeDocument/2006/relationships" xmlns:p="http://schemas.openxmlformats.org/presentationml/2006/main">
-  <p:cSld>
-    <p:spTree>
-      <p:nvGrpSpPr>
-        <p:cNvPr id="1" name=""/>
-        <p:cNvGrpSpPr/>
-        <p:nvPr/>
-      </p:nvGrpSpPr>
-      <p:grpSpPr>
-        <a:xfrm>
-          <a:off x="0" y="0"/>
-          <a:ext cx="0" cy="0"/>
-          <a:chOff x="0" y="0"/>
-          <a:chExt cx="0" cy="0"/>
-        </a:xfrm>
-      </p:grpSpPr>
-      <p:sp>
-        <p:nvSpPr>
-          <p:cNvPr id="2" name="Title 1"/>
-          <p:cNvSpPr>
-            <a:spLocks noGrp="1"/>
-          </p:cNvSpPr>
-          <p:nvPr>
-            <p:ph type="title"/>
-          </p:nvPr>
-        </p:nvSpPr>
-        <p:spPr/>
-        <p:txBody>
-          <a:bodyPr/>
-          <a:lstStyle/>
-          <a:p>
-            <a:r>
-              <a:rPr lang="en-US" dirty="0" smtClean="0"/>
-              <a:t>Binary</a:t>
-            </a:r>
-            <a:endParaRPr lang="en-US" dirty="0"/>
-          </a:p>
-        </p:txBody>
-      </p:sp>
-      <p:sp>
-        <p:nvSpPr>
-          <p:cNvPr id="3" name="Content Placeholder 2"/>
-          <p:cNvSpPr>
-            <a:spLocks noGrp="1"/>
-          </p:cNvSpPr>
-          <p:nvPr>
-            <p:ph idx="1"/>
-          </p:nvPr>
-        </p:nvSpPr>
-        <p:spPr/>
-        <p:txBody>
-          <a:bodyPr/>
-          <a:lstStyle/>
-          <a:p>
-            <a:r>
-              <a:rPr lang="en-US" dirty="0" smtClean="0"/>
-              <a:t>Binary is also place value numbered</a:t>
-            </a:r>
-          </a:p>
-          <a:p>
-            <a:r>
-              <a:rPr lang="en-US" dirty="0" smtClean="0"/>
-              <a:t>Take the binary number 1000100</a:t>
-            </a:r>
-          </a:p>
-          <a:p>
-            <a:pPr lvl="1"/>
-            <a:r>
-              <a:rPr lang="en-US" dirty="0" smtClean="0"/>
-              <a:t>1 is in the 2</a:t>
-            </a:r>
-            <a:r>
-              <a:rPr lang="en-US" baseline="30000" dirty="0" smtClean="0"/>
-              <a:t>6 </a:t>
-            </a:r>
-            <a:r>
-              <a:rPr lang="en-US" dirty="0" smtClean="0"/>
-              <a:t>place</a:t>
-            </a:r>
-          </a:p>
-          <a:p>
-            <a:pPr lvl="1"/>
-            <a:r>
-              <a:rPr lang="en-US" dirty="0"/>
-              <a:t>0</a:t>
-            </a:r>
-            <a:r>
-              <a:rPr lang="en-US" dirty="0" smtClean="0"/>
-              <a:t> is in the 2</a:t>
-            </a:r>
-            <a:r>
-              <a:rPr lang="en-US" baseline="30000" dirty="0"/>
-              <a:t>5</a:t>
-            </a:r>
-            <a:r>
-              <a:rPr lang="en-US" baseline="30000" dirty="0" smtClean="0"/>
-              <a:t> </a:t>
-            </a:r>
-            <a:r>
-              <a:rPr lang="en-US" dirty="0" smtClean="0"/>
-              <a:t>place</a:t>
-            </a:r>
-          </a:p>
-          <a:p>
-            <a:pPr lvl="1"/>
-            <a:r>
-              <a:rPr lang="en-US" dirty="0"/>
-              <a:t>0</a:t>
-            </a:r>
-            <a:r>
-              <a:rPr lang="en-US" dirty="0" smtClean="0"/>
-              <a:t> is in the 2</a:t>
-            </a:r>
-            <a:r>
-              <a:rPr lang="en-US" baseline="30000" dirty="0"/>
-              <a:t>4</a:t>
-            </a:r>
-            <a:r>
-              <a:rPr lang="en-US" baseline="30000" dirty="0" smtClean="0"/>
-              <a:t> </a:t>
-            </a:r>
-            <a:r>
-              <a:rPr lang="en-US" dirty="0" smtClean="0"/>
-              <a:t>place</a:t>
-            </a:r>
-          </a:p>
-          <a:p>
-            <a:pPr lvl="1"/>
-            <a:r>
-              <a:rPr lang="en-US" dirty="0"/>
-              <a:t>0</a:t>
-            </a:r>
-            <a:r>
-              <a:rPr lang="en-US" dirty="0" smtClean="0"/>
-              <a:t> is in the 2</a:t>
-            </a:r>
-            <a:r>
-              <a:rPr lang="en-US" baseline="30000" dirty="0"/>
-              <a:t>3</a:t>
-            </a:r>
-            <a:r>
-              <a:rPr lang="en-US" baseline="30000" dirty="0" smtClean="0"/>
-              <a:t> </a:t>
-            </a:r>
-            <a:r>
-              <a:rPr lang="en-US" dirty="0" smtClean="0"/>
-              <a:t>place</a:t>
-            </a:r>
-          </a:p>
-          <a:p>
-            <a:pPr lvl="1"/>
-            <a:r>
-              <a:rPr lang="en-US" dirty="0" smtClean="0"/>
-              <a:t>1 is in the 2</a:t>
-            </a:r>
-            <a:r>
-              <a:rPr lang="en-US" baseline="30000" dirty="0"/>
-              <a:t>2</a:t>
-            </a:r>
-            <a:r>
-              <a:rPr lang="en-US" baseline="30000" dirty="0" smtClean="0"/>
-              <a:t> </a:t>
-            </a:r>
-            <a:r>
-              <a:rPr lang="en-US" dirty="0" smtClean="0"/>
-              <a:t>place</a:t>
-            </a:r>
-          </a:p>
-          <a:p>
-            <a:pPr lvl="1"/>
-            <a:r>
-              <a:rPr lang="en-US" dirty="0"/>
-              <a:t>0</a:t>
-            </a:r>
-            <a:r>
-              <a:rPr lang="en-US" dirty="0" smtClean="0"/>
-              <a:t> is in the 2</a:t>
-            </a:r>
-            <a:r>
-              <a:rPr lang="en-US" baseline="30000" dirty="0"/>
-              <a:t>1</a:t>
-            </a:r>
-            <a:r>
-              <a:rPr lang="en-US" baseline="30000" dirty="0" smtClean="0"/>
-              <a:t> </a:t>
-            </a:r>
-            <a:r>
-              <a:rPr lang="en-US" dirty="0" smtClean="0"/>
-              <a:t>place</a:t>
-            </a:r>
-          </a:p>
-          <a:p>
-            <a:pPr lvl="1"/>
-            <a:r>
-              <a:rPr lang="en-US" dirty="0" smtClean="0"/>
-              <a:t>0 is in the 2</a:t>
-            </a:r>
-            <a:r>
-              <a:rPr lang="en-US" baseline="30000" dirty="0"/>
-              <a:t>0</a:t>
-            </a:r>
-            <a:r>
-              <a:rPr lang="en-US" baseline="30000" dirty="0" smtClean="0"/>
-              <a:t> </a:t>
-            </a:r>
-            <a:r>
-              <a:rPr lang="en-US" dirty="0" smtClean="0"/>
-              <a:t>place</a:t>
-            </a:r>
-            <a:endParaRPr lang="en-US" dirty="0"/>
-          </a:p>
-        </p:txBody>
-      </p:sp>
-    </p:spTree>
-    <p:extLst>
-      <p:ext uri="{BB962C8B-B14F-4D97-AF65-F5344CB8AC3E}">
-        <p14:creationId xmlns:p14="http://schemas.microsoft.com/office/powerpoint/2010/main" val="2782289846"/>
-      </p:ext>
-    </p:extLst>
-  </p:cSld>
-  <p:clrMapOvr>
-    <a:masterClrMapping/>
-  </p:clrMapOvr>
-</p:sld>
-</file>
-
-<file path=ppt/slides/slide8.xml><?xml version="1.0" encoding="utf-8"?>
-<p:sld xmlns:a="http://schemas.openxmlformats.org/drawingml/2006/main" xmlns:r="http://schemas.openxmlformats.org/officeDocument/2006/relationships" xmlns:p="http://schemas.openxmlformats.org/presentationml/2006/main">
-  <p:cSld>
-    <p:spTree>
-      <p:nvGrpSpPr>
-        <p:cNvPr id="1" name=""/>
-        <p:cNvGrpSpPr/>
-        <p:nvPr/>
-      </p:nvGrpSpPr>
-      <p:grpSpPr>
-        <a:xfrm>
-          <a:off x="0" y="0"/>
-          <a:ext cx="0" cy="0"/>
-          <a:chOff x="0" y="0"/>
-          <a:chExt cx="0" cy="0"/>
-        </a:xfrm>
-      </p:grpSpPr>
-      <p:sp>
-        <p:nvSpPr>
-          <p:cNvPr id="2" name="Title 1"/>
-          <p:cNvSpPr>
-            <a:spLocks noGrp="1"/>
-          </p:cNvSpPr>
-          <p:nvPr>
-            <p:ph type="title"/>
-          </p:nvPr>
-        </p:nvSpPr>
-        <p:spPr/>
-        <p:txBody>
-          <a:bodyPr/>
-          <a:lstStyle/>
-          <a:p>
-            <a:r>
-              <a:rPr lang="en-US" dirty="0" smtClean="0"/>
-              <a:t>Counting</a:t>
-            </a:r>
-            <a:endParaRPr lang="en-US" dirty="0"/>
-          </a:p>
-        </p:txBody>
-      </p:sp>
-      <p:sp>
-        <p:nvSpPr>
-          <p:cNvPr id="3" name="Content Placeholder 2"/>
-          <p:cNvSpPr>
-            <a:spLocks noGrp="1"/>
-          </p:cNvSpPr>
-          <p:nvPr>
-            <p:ph idx="1"/>
-          </p:nvPr>
-        </p:nvSpPr>
-        <p:spPr/>
-        <p:txBody>
-          <a:bodyPr>
-            <a:normAutofit fontScale="70000" lnSpcReduction="20000"/>
-          </a:bodyPr>
-          <a:lstStyle/>
-          <a:p>
-            <a:r>
-              <a:rPr lang="en-US" dirty="0" smtClean="0"/>
-              <a:t>When we count, as soon as we run out of digits in the current place, we go back to 0 (advancing the next place as well)</a:t>
-            </a:r>
-          </a:p>
-          <a:p>
-            <a:r>
-              <a:rPr lang="en-US" dirty="0" smtClean="0"/>
-              <a:t>00</a:t>
-            </a:r>
-          </a:p>
-          <a:p>
-            <a:r>
-              <a:rPr lang="en-US" dirty="0" smtClean="0"/>
-              <a:t>01</a:t>
-            </a:r>
-          </a:p>
-          <a:p>
-            <a:r>
-              <a:rPr lang="en-US" dirty="0" smtClean="0"/>
-              <a:t>02</a:t>
-            </a:r>
-          </a:p>
-          <a:p>
-            <a:r>
-              <a:rPr lang="en-US" dirty="0" smtClean="0"/>
-              <a:t>03</a:t>
-            </a:r>
-          </a:p>
-          <a:p>
-            <a:r>
-              <a:rPr lang="en-US" dirty="0" smtClean="0"/>
-              <a:t>04</a:t>
-            </a:r>
-          </a:p>
-          <a:p>
-            <a:r>
-              <a:rPr lang="en-US" dirty="0" smtClean="0"/>
-              <a:t>05</a:t>
-            </a:r>
-          </a:p>
-          <a:p>
-            <a:r>
-              <a:rPr lang="en-US" dirty="0" smtClean="0"/>
-              <a:t>06</a:t>
-            </a:r>
-          </a:p>
-          <a:p>
-            <a:r>
-              <a:rPr lang="en-US" dirty="0" smtClean="0"/>
-              <a:t>07</a:t>
-            </a:r>
-          </a:p>
-          <a:p>
-            <a:r>
-              <a:rPr lang="en-US" dirty="0" smtClean="0"/>
-              <a:t>08</a:t>
-            </a:r>
-          </a:p>
-          <a:p>
-            <a:r>
-              <a:rPr lang="en-US" dirty="0" smtClean="0"/>
-              <a:t>09</a:t>
-            </a:r>
-          </a:p>
-          <a:p>
-            <a:r>
-              <a:rPr lang="en-US" dirty="0" smtClean="0"/>
-              <a:t>10</a:t>
-            </a:r>
-            <a:endParaRPr lang="en-US" dirty="0"/>
-          </a:p>
-        </p:txBody>
-      </p:sp>
-    </p:spTree>
-    <p:extLst>
-      <p:ext uri="{BB962C8B-B14F-4D97-AF65-F5344CB8AC3E}">
-        <p14:creationId xmlns:p14="http://schemas.microsoft.com/office/powerpoint/2010/main" val="3034343818"/>
-      </p:ext>
-    </p:extLst>
-  </p:cSld>
-  <p:clrMapOvr>
-    <a:masterClrMapping/>
-  </p:clrMapOvr>
-</p:sld>
-</file>
-
-<file path=ppt/slides/slide9.xml><?xml version="1.0" encoding="utf-8"?>
-<p:sld xmlns:a="http://schemas.openxmlformats.org/drawingml/2006/main" xmlns:r="http://schemas.openxmlformats.org/officeDocument/2006/relationships" xmlns:p="http://schemas.openxmlformats.org/presentationml/2006/main">
-  <p:cSld>
-    <p:spTree>
-      <p:nvGrpSpPr>
-        <p:cNvPr id="1" name=""/>
-        <p:cNvGrpSpPr/>
-        <p:nvPr/>
-      </p:nvGrpSpPr>
-      <p:grpSpPr>
-        <a:xfrm>
-          <a:off x="0" y="0"/>
-          <a:ext cx="0" cy="0"/>
-          <a:chOff x="0" y="0"/>
-          <a:chExt cx="0" cy="0"/>
-        </a:xfrm>
-      </p:grpSpPr>
-      <p:sp>
-        <p:nvSpPr>
-          <p:cNvPr id="2" name="Title 1"/>
-          <p:cNvSpPr>
-            <a:spLocks noGrp="1"/>
-          </p:cNvSpPr>
-          <p:nvPr>
-            <p:ph type="title"/>
-          </p:nvPr>
-        </p:nvSpPr>
-        <p:spPr/>
-        <p:txBody>
-          <a:bodyPr/>
-          <a:lstStyle/>
-          <a:p>
-            <a:r>
-              <a:rPr lang="en-US" dirty="0" smtClean="0"/>
-              <a:t>Counting</a:t>
-            </a:r>
-            <a:endParaRPr lang="en-US" dirty="0"/>
-          </a:p>
-        </p:txBody>
-      </p:sp>
-      <p:sp>
-        <p:nvSpPr>
-          <p:cNvPr id="3" name="Content Placeholder 2"/>
-          <p:cNvSpPr>
-            <a:spLocks noGrp="1"/>
-          </p:cNvSpPr>
-          <p:nvPr>
-            <p:ph idx="1"/>
-          </p:nvPr>
-        </p:nvSpPr>
-        <p:spPr/>
-        <p:txBody>
-          <a:bodyPr>
-            <a:normAutofit fontScale="92500" lnSpcReduction="10000"/>
-          </a:bodyPr>
-          <a:lstStyle/>
-          <a:p>
-            <a:r>
-              <a:rPr lang="en-US" dirty="0" smtClean="0"/>
-              <a:t>Same in binary, there are just less numbers so you have to advance places more often</a:t>
-            </a:r>
-          </a:p>
-          <a:p>
-            <a:r>
-              <a:rPr lang="en-US" dirty="0" smtClean="0"/>
-              <a:t>000</a:t>
-            </a:r>
-          </a:p>
-          <a:p>
-            <a:r>
-              <a:rPr lang="en-US" dirty="0" smtClean="0"/>
-              <a:t>001</a:t>
-            </a:r>
-          </a:p>
-          <a:p>
-            <a:r>
-              <a:rPr lang="en-US" dirty="0" smtClean="0"/>
-              <a:t>010</a:t>
-            </a:r>
-          </a:p>
-          <a:p>
-            <a:r>
-              <a:rPr lang="en-US" dirty="0" smtClean="0"/>
-              <a:t>011</a:t>
-            </a:r>
-          </a:p>
-          <a:p>
-            <a:r>
-              <a:rPr lang="en-US" dirty="0" smtClean="0"/>
-              <a:t>100</a:t>
-            </a:r>
-          </a:p>
-          <a:p>
-            <a:r>
-              <a:rPr lang="en-US" dirty="0" smtClean="0"/>
-              <a:t>101</a:t>
-            </a:r>
-          </a:p>
-          <a:p>
-            <a:r>
-              <a:rPr lang="en-US" dirty="0" smtClean="0"/>
-              <a:t>110</a:t>
-            </a:r>
-          </a:p>
-          <a:p>
-            <a:r>
-              <a:rPr lang="en-US" dirty="0" smtClean="0"/>
-              <a:t>111</a:t>
-            </a:r>
-            <a:endParaRPr lang="en-US" dirty="0"/>
-          </a:p>
-        </p:txBody>
-      </p:sp>
-    </p:spTree>
-    <p:extLst>
-      <p:ext uri="{BB962C8B-B14F-4D97-AF65-F5344CB8AC3E}">
-        <p14:creationId xmlns:p14="http://schemas.microsoft.com/office/powerpoint/2010/main" val="171388323"/>
+        <p14:creationId xmlns:p14="http://schemas.microsoft.com/office/powerpoint/2010/main" val="4281448916"/>
       </p:ext>
     </p:extLst>
   </p:cSld>
